--- a/Week 6 - Bigger Picture - Iteroperability - Beyond introduction to Programming Solution/PowerPoint Presentations/Week_6_Part_2_Interoperability_Solution.pptx
+++ b/Week 6 - Bigger Picture - Iteroperability - Beyond introduction to Programming Solution/PowerPoint Presentations/Week_6_Part_2_Interoperability_Solution.pptx
@@ -211,7 +211,7 @@
           <a:p>
             <a:fld id="{C0DB4203-FCE6-4DB9-8B82-6DDA69D645A0}" type="datetimeFigureOut">
               <a:rPr lang="en-ZA" smtClean="0"/>
-              <a:t>2023/05/09</a:t>
+              <a:t>23 May 2023</a:t>
             </a:fld>
             <a:endParaRPr lang="en-ZA"/>
           </a:p>
@@ -3664,7 +3664,7 @@
         </p:nvSpPr>
         <p:spPr>
           <a:xfrm>
-            <a:off x="462013" y="2261930"/>
+            <a:off x="462013" y="2203563"/>
             <a:ext cx="8229600" cy="720000"/>
           </a:xfrm>
           <a:prstGeom prst="rect">
@@ -3806,7 +3806,7 @@
               </a:tabLst>
             </a:pPr>
             <a:r>
-              <a:rPr lang="en-ZA" sz="1400" dirty="0">
+              <a:rPr lang="en-ZA" sz="1200" dirty="0">
                 <a:effectLst/>
                 <a:latin typeface="Helvetica" panose="020B0604020202020204" pitchFamily="34" charset="0"/>
                 <a:ea typeface="Times New Roman" panose="02020603050405020304" pitchFamily="18" charset="0"/>
@@ -3815,7 +3815,7 @@
               <a:t>	</a:t>
             </a:r>
             <a:r>
-              <a:rPr lang="en-GB" sz="1800" dirty="0">
+              <a:rPr lang="en-GB" sz="1600" dirty="0">
                 <a:effectLst/>
                 <a:latin typeface="Helvetica" panose="020B0604020202020204" pitchFamily="34" charset="0"/>
                 <a:ea typeface="Times New Roman" panose="02020603050405020304" pitchFamily="18" charset="0"/>
@@ -3824,7 +3824,7 @@
               <a:t>Now you try! Create a row vector, </a:t>
             </a:r>
             <a:r>
-              <a:rPr lang="en-GB" sz="1800" dirty="0">
+              <a:rPr lang="en-GB" sz="1600" dirty="0">
                 <a:effectLst/>
                 <a:latin typeface="Consolas" panose="020B0609020204030204" pitchFamily="49" charset="0"/>
                 <a:ea typeface="Times New Roman" panose="02020603050405020304" pitchFamily="18" charset="0"/>
@@ -3833,7 +3833,7 @@
               <a:t>x</a:t>
             </a:r>
             <a:r>
-              <a:rPr lang="en-GB" sz="1800" dirty="0">
+              <a:rPr lang="en-GB" sz="1600" dirty="0">
                 <a:effectLst/>
                 <a:latin typeface="Helvetica" panose="020B0604020202020204" pitchFamily="34" charset="0"/>
                 <a:ea typeface="Times New Roman" panose="02020603050405020304" pitchFamily="18" charset="0"/>
@@ -3842,7 +3842,7 @@
               <a:t>, with the value </a:t>
             </a:r>
             <a:r>
-              <a:rPr lang="en-GB" sz="1800" dirty="0">
+              <a:rPr lang="en-GB" sz="1600" dirty="0">
                 <a:effectLst/>
                 <a:latin typeface="Consolas" panose="020B0609020204030204" pitchFamily="49" charset="0"/>
                 <a:ea typeface="Times New Roman" panose="02020603050405020304" pitchFamily="18" charset="0"/>
@@ -3851,7 +3851,7 @@
               <a:t>2</a:t>
             </a:r>
             <a:r>
-              <a:rPr lang="en-GB" sz="1800" dirty="0">
+              <a:rPr lang="en-GB" sz="1600" dirty="0">
                 <a:effectLst/>
                 <a:latin typeface="Helvetica" panose="020B0604020202020204" pitchFamily="34" charset="0"/>
                 <a:ea typeface="Times New Roman" panose="02020603050405020304" pitchFamily="18" charset="0"/>
@@ -3860,7 +3860,7 @@
               <a:t>, </a:t>
             </a:r>
             <a:r>
-              <a:rPr lang="en-GB" sz="1800" dirty="0">
+              <a:rPr lang="en-GB" sz="1600" dirty="0">
                 <a:effectLst/>
                 <a:latin typeface="Consolas" panose="020B0609020204030204" pitchFamily="49" charset="0"/>
                 <a:ea typeface="Times New Roman" panose="02020603050405020304" pitchFamily="18" charset="0"/>
@@ -3869,7 +3869,7 @@
               <a:t>4</a:t>
             </a:r>
             <a:r>
-              <a:rPr lang="en-GB" sz="1800" dirty="0">
+              <a:rPr lang="en-GB" sz="1600" dirty="0">
                 <a:effectLst/>
                 <a:latin typeface="Helvetica" panose="020B0604020202020204" pitchFamily="34" charset="0"/>
                 <a:ea typeface="Times New Roman" panose="02020603050405020304" pitchFamily="18" charset="0"/>
@@ -3878,7 +3878,7 @@
               <a:t>, and </a:t>
             </a:r>
             <a:r>
-              <a:rPr lang="en-GB" sz="1800" dirty="0">
+              <a:rPr lang="en-GB" sz="1600" dirty="0">
                 <a:effectLst/>
                 <a:latin typeface="Consolas" panose="020B0609020204030204" pitchFamily="49" charset="0"/>
                 <a:ea typeface="Times New Roman" panose="02020603050405020304" pitchFamily="18" charset="0"/>
@@ -3887,7 +3887,7 @@
               <a:t>6</a:t>
             </a:r>
             <a:r>
-              <a:rPr lang="en-GB" sz="1800" dirty="0">
+              <a:rPr lang="en-GB" sz="1600" dirty="0">
                 <a:effectLst/>
                 <a:latin typeface="Helvetica" panose="020B0604020202020204" pitchFamily="34" charset="0"/>
                 <a:ea typeface="Times New Roman" panose="02020603050405020304" pitchFamily="18" charset="0"/>
@@ -3896,7 +3896,7 @@
               <a:t>, and use </a:t>
             </a:r>
             <a:r>
-              <a:rPr lang="en-GB" sz="1800" dirty="0" err="1">
+              <a:rPr lang="en-GB" sz="1600" dirty="0" err="1">
                 <a:effectLst/>
                 <a:latin typeface="Consolas" panose="020B0609020204030204" pitchFamily="49" charset="0"/>
                 <a:ea typeface="Times New Roman" panose="02020603050405020304" pitchFamily="18" charset="0"/>
@@ -3905,7 +3905,7 @@
               <a:t>fsum</a:t>
             </a:r>
             <a:r>
-              <a:rPr lang="en-GB" sz="1800" dirty="0">
+              <a:rPr lang="en-GB" sz="1600" dirty="0">
                 <a:effectLst/>
                 <a:latin typeface="Helvetica" panose="020B0604020202020204" pitchFamily="34" charset="0"/>
                 <a:ea typeface="Times New Roman" panose="02020603050405020304" pitchFamily="18" charset="0"/>
@@ -3914,7 +3914,7 @@
               <a:t> from the Python </a:t>
             </a:r>
             <a:r>
-              <a:rPr lang="en-GB" sz="1800" dirty="0">
+              <a:rPr lang="en-GB" sz="1600" dirty="0">
                 <a:effectLst/>
                 <a:latin typeface="Consolas" panose="020B0609020204030204" pitchFamily="49" charset="0"/>
                 <a:ea typeface="Times New Roman" panose="02020603050405020304" pitchFamily="18" charset="0"/>
@@ -3923,7 +3923,7 @@
               <a:t>math</a:t>
             </a:r>
             <a:r>
-              <a:rPr lang="en-GB" sz="1800" dirty="0">
+              <a:rPr lang="en-GB" sz="1600" dirty="0">
                 <a:effectLst/>
                 <a:latin typeface="Helvetica" panose="020B0604020202020204" pitchFamily="34" charset="0"/>
                 <a:ea typeface="Times New Roman" panose="02020603050405020304" pitchFamily="18" charset="0"/>
@@ -3945,7 +3945,7 @@
                 <a:tab pos="452438" algn="l"/>
               </a:tabLst>
             </a:pPr>
-            <a:endParaRPr lang="en-GB" sz="1800" dirty="0">
+            <a:endParaRPr lang="en-GB" sz="1600" dirty="0">
               <a:solidFill>
                 <a:srgbClr val="000000"/>
               </a:solidFill>
@@ -3969,7 +3969,7 @@
               </a:tabLst>
             </a:pPr>
             <a:r>
-              <a:rPr lang="en-GB" sz="1800" dirty="0">
+              <a:rPr lang="en-GB" sz="1600" dirty="0">
                 <a:solidFill>
                   <a:srgbClr val="000000"/>
                 </a:solidFill>
@@ -3980,7 +3980,7 @@
               </a:rPr>
               <a:t>	x = 2:2:6;</a:t>
             </a:r>
-            <a:endParaRPr lang="en-ZA" sz="1800" dirty="0">
+            <a:endParaRPr lang="en-ZA" sz="1600" dirty="0">
               <a:effectLst/>
               <a:latin typeface="Consolas" panose="020B0609020204030204" pitchFamily="49" charset="0"/>
               <a:ea typeface="Times New Roman" panose="02020603050405020304" pitchFamily="18" charset="0"/>
@@ -4001,7 +4001,7 @@
               </a:tabLst>
             </a:pPr>
             <a:r>
-              <a:rPr lang="en-GB" sz="1800" dirty="0">
+              <a:rPr lang="en-GB" sz="1600" dirty="0">
                 <a:solidFill>
                   <a:srgbClr val="000000"/>
                 </a:solidFill>
@@ -4013,7 +4013,7 @@
               <a:t>	</a:t>
             </a:r>
             <a:r>
-              <a:rPr lang="en-GB" sz="1800" dirty="0" err="1">
+              <a:rPr lang="en-GB" sz="1600" dirty="0" err="1">
                 <a:solidFill>
                   <a:srgbClr val="000000"/>
                 </a:solidFill>
@@ -4025,7 +4025,7 @@
               <a:t>py.math.fsum</a:t>
             </a:r>
             <a:r>
-              <a:rPr lang="en-GB" sz="1800" dirty="0">
+              <a:rPr lang="en-GB" sz="1600" dirty="0">
                 <a:solidFill>
                   <a:srgbClr val="000000"/>
                 </a:solidFill>
@@ -4036,7 +4036,7 @@
               </a:rPr>
               <a:t>(x)</a:t>
             </a:r>
-            <a:endParaRPr lang="en-ZA" sz="1800" dirty="0">
+            <a:endParaRPr lang="en-ZA" sz="1600" dirty="0">
               <a:effectLst/>
               <a:latin typeface="Consolas" panose="020B0609020204030204" pitchFamily="49" charset="0"/>
               <a:ea typeface="Times New Roman" panose="02020603050405020304" pitchFamily="18" charset="0"/>
@@ -4060,7 +4060,7 @@
               </a:tabLst>
             </a:pPr>
             <a:r>
-              <a:rPr lang="en-GB" sz="1800" dirty="0">
+              <a:rPr lang="en-GB" sz="1600" dirty="0">
                 <a:solidFill>
                   <a:srgbClr val="212121"/>
                 </a:solidFill>
@@ -4072,7 +4072,7 @@
               <a:t>	</a:t>
             </a:r>
             <a:r>
-              <a:rPr lang="en-GB" sz="1400" dirty="0" err="1">
+              <a:rPr lang="en-GB" sz="1200" dirty="0" err="1">
                 <a:solidFill>
                   <a:srgbClr val="212121"/>
                 </a:solidFill>
@@ -4084,7 +4084,7 @@
               <a:t>ans</a:t>
             </a:r>
             <a:r>
-              <a:rPr lang="en-GB" sz="1400" dirty="0">
+              <a:rPr lang="en-GB" sz="1200" dirty="0">
                 <a:solidFill>
                   <a:srgbClr val="212121"/>
                 </a:solidFill>
@@ -4095,7 +4095,7 @@
               </a:rPr>
               <a:t> =     12</a:t>
             </a:r>
-            <a:endParaRPr lang="en-ZA" sz="1800" dirty="0">
+            <a:endParaRPr lang="en-ZA" sz="1600" dirty="0">
               <a:effectLst/>
               <a:latin typeface="Helvetica" panose="020B0604020202020204" pitchFamily="34" charset="0"/>
               <a:ea typeface="Times New Roman" panose="02020603050405020304" pitchFamily="18" charset="0"/>
@@ -4118,7 +4118,7 @@
                 <a:tab pos="625475" algn="l"/>
               </a:tabLst>
             </a:pPr>
-            <a:endParaRPr lang="en-ZA" sz="1400" dirty="0">
+            <a:endParaRPr lang="en-ZA" sz="1200" dirty="0">
               <a:effectLst/>
               <a:latin typeface="Helvetica" panose="020B0604020202020204" pitchFamily="34" charset="0"/>
               <a:ea typeface="Times New Roman" panose="02020603050405020304" pitchFamily="18" charset="0"/>
@@ -4412,7 +4412,7 @@
               <a:buNone/>
             </a:pPr>
             <a:r>
-              <a:rPr lang="en-GB" sz="1800" dirty="0">
+              <a:rPr lang="en-GB" sz="1600" dirty="0">
                 <a:effectLst/>
                 <a:latin typeface="Helvetica" panose="020B0604020202020204" pitchFamily="34" charset="0"/>
                 <a:ea typeface="Times New Roman" panose="02020603050405020304" pitchFamily="18" charset="0"/>
@@ -4430,7 +4430,7 @@
               <a:buChar char=""/>
             </a:pPr>
             <a:r>
-              <a:rPr lang="en-GB" sz="1800" dirty="0">
+              <a:rPr lang="en-GB" sz="1600" dirty="0">
                 <a:solidFill>
                   <a:srgbClr val="005FCE"/>
                 </a:solidFill>
@@ -4442,7 +4442,7 @@
               </a:rPr>
               <a:t>Video tutorial: How to Call Python from MATLAB</a:t>
             </a:r>
-            <a:endParaRPr lang="en-ZA" sz="1800" dirty="0">
+            <a:endParaRPr lang="en-ZA" sz="1600" dirty="0">
               <a:effectLst/>
               <a:latin typeface="Helvetica" panose="020B0604020202020204" pitchFamily="34" charset="0"/>
               <a:ea typeface="Times New Roman" panose="02020603050405020304" pitchFamily="18" charset="0"/>
@@ -4458,7 +4458,7 @@
               <a:buChar char=""/>
             </a:pPr>
             <a:r>
-              <a:rPr lang="en-GB" sz="1800" dirty="0">
+              <a:rPr lang="en-GB" sz="1600" dirty="0">
                 <a:solidFill>
                   <a:srgbClr val="005FCE"/>
                 </a:solidFill>
@@ -4471,7 +4471,7 @@
               <a:t>Video tutorial: How to Call MATLAB from Python</a:t>
             </a:r>
             <a:r>
-              <a:rPr lang="en-GB" sz="1800" dirty="0">
+              <a:rPr lang="en-GB" sz="1600" dirty="0">
                 <a:effectLst/>
                 <a:latin typeface="Helvetica" panose="020B0604020202020204" pitchFamily="34" charset="0"/>
                 <a:ea typeface="Times New Roman" panose="02020603050405020304" pitchFamily="18" charset="0"/>
@@ -4485,7 +4485,7 @@
               <a:buNone/>
             </a:pPr>
             <a:r>
-              <a:rPr lang="en-GB" sz="1800" dirty="0">
+              <a:rPr lang="en-GB" sz="1600" dirty="0">
                 <a:effectLst/>
                 <a:latin typeface="Helvetica" panose="020B0604020202020204" pitchFamily="34" charset="0"/>
                 <a:ea typeface="Times New Roman" panose="02020603050405020304" pitchFamily="18" charset="0"/>
@@ -4494,7 +4494,7 @@
               <a:t>You can also consult the </a:t>
             </a:r>
             <a:r>
-              <a:rPr lang="en-GB" sz="1800" dirty="0">
+              <a:rPr lang="en-GB" sz="1600" dirty="0">
                 <a:solidFill>
                   <a:srgbClr val="005FCE"/>
                 </a:solidFill>
@@ -4507,7 +4507,7 @@
               <a:t>Cheat Sheets for Using MATLAB with Python</a:t>
             </a:r>
             <a:r>
-              <a:rPr lang="en-GB" sz="1800" dirty="0">
+              <a:rPr lang="en-GB" sz="1600" dirty="0">
                 <a:effectLst/>
                 <a:latin typeface="Helvetica" panose="020B0604020202020204" pitchFamily="34" charset="0"/>
                 <a:ea typeface="Times New Roman" panose="02020603050405020304" pitchFamily="18" charset="0"/>
@@ -4515,7 +4515,7 @@
               </a:rPr>
               <a:t> for getting started.</a:t>
             </a:r>
-            <a:endParaRPr lang="en-ZA" sz="1500" dirty="0">
+            <a:endParaRPr lang="en-ZA" sz="1400" dirty="0">
               <a:effectLst/>
               <a:latin typeface="Helvetica" panose="020B0604020202020204" pitchFamily="34" charset="0"/>
               <a:ea typeface="Times New Roman" panose="02020603050405020304" pitchFamily="18" charset="0"/>
@@ -4779,7 +4779,7 @@
               <a:buNone/>
             </a:pPr>
             <a:r>
-              <a:rPr lang="en-GB" sz="1500" dirty="0">
+              <a:rPr lang="en-GB" sz="1600" dirty="0">
                 <a:effectLst/>
                 <a:latin typeface="Helvetica" panose="020B0604020202020204" pitchFamily="34" charset="0"/>
                 <a:ea typeface="Times New Roman" panose="02020603050405020304" pitchFamily="18" charset="0"/>
@@ -4787,7 +4787,7 @@
               </a:rPr>
               <a:t>This week in part 2, we learnt about: </a:t>
             </a:r>
-            <a:endParaRPr lang="en-ZA" sz="1500" dirty="0">
+            <a:endParaRPr lang="en-ZA" sz="1600" dirty="0">
               <a:effectLst/>
               <a:latin typeface="Helvetica" panose="020B0604020202020204" pitchFamily="34" charset="0"/>
               <a:ea typeface="Times New Roman" panose="02020603050405020304" pitchFamily="18" charset="0"/>
@@ -4806,7 +4806,7 @@
               </a:tabLst>
             </a:pPr>
             <a:r>
-              <a:rPr lang="en-GB" sz="1500" dirty="0">
+              <a:rPr lang="en-GB" sz="1600" dirty="0">
                 <a:effectLst/>
                 <a:latin typeface="Helvetica" panose="020B0604020202020204" pitchFamily="34" charset="0"/>
                 <a:ea typeface="Times New Roman" panose="02020603050405020304" pitchFamily="18" charset="0"/>
@@ -4827,7 +4827,7 @@
               </a:tabLst>
             </a:pPr>
             <a:r>
-              <a:rPr lang="en-GB" sz="1500" dirty="0">
+              <a:rPr lang="en-GB" sz="1600" dirty="0">
                 <a:effectLst/>
                 <a:latin typeface="Helvetica" panose="020B0604020202020204" pitchFamily="34" charset="0"/>
                 <a:ea typeface="Times New Roman" panose="02020603050405020304" pitchFamily="18" charset="0"/>
@@ -4835,7 +4835,7 @@
               </a:rPr>
               <a:t>MATLAB and Python </a:t>
             </a:r>
-            <a:endParaRPr lang="en-ZA" sz="1500" dirty="0">
+            <a:endParaRPr lang="en-ZA" sz="1600" dirty="0">
               <a:effectLst/>
               <a:latin typeface="Helvetica" panose="020B0604020202020204" pitchFamily="34" charset="0"/>
               <a:ea typeface="Times New Roman" panose="02020603050405020304" pitchFamily="18" charset="0"/>
@@ -4856,7 +4856,7 @@
               <a:buNone/>
             </a:pPr>
             <a:r>
-              <a:rPr lang="en-GB" sz="1500" dirty="0">
+              <a:rPr lang="en-GB" sz="1600" dirty="0">
                 <a:effectLst/>
                 <a:latin typeface="Helvetica" panose="020B0604020202020204" pitchFamily="34" charset="0"/>
                 <a:ea typeface="Times New Roman" panose="02020603050405020304" pitchFamily="18" charset="0"/>
@@ -4864,7 +4864,7 @@
               </a:rPr>
               <a:t>In the next part of this week's content, we will be demonstrating Beyond Introduction to Programming, covering the following sub-topics: </a:t>
             </a:r>
-            <a:endParaRPr lang="en-ZA" sz="1500" dirty="0">
+            <a:endParaRPr lang="en-ZA" sz="1600" dirty="0">
               <a:effectLst/>
               <a:latin typeface="Helvetica" panose="020B0604020202020204" pitchFamily="34" charset="0"/>
               <a:ea typeface="Times New Roman" panose="02020603050405020304" pitchFamily="18" charset="0"/>
@@ -4880,7 +4880,7 @@
               <a:buChar char=""/>
             </a:pPr>
             <a:r>
-              <a:rPr lang="en-GB" sz="1500" dirty="0">
+              <a:rPr lang="en-GB" sz="1600" dirty="0">
                 <a:effectLst/>
                 <a:latin typeface="Helvetica" panose="020B0604020202020204" pitchFamily="34" charset="0"/>
                 <a:ea typeface="Times New Roman" panose="02020603050405020304" pitchFamily="18" charset="0"/>
@@ -4898,7 +4898,7 @@
               <a:buChar char=""/>
             </a:pPr>
             <a:r>
-              <a:rPr lang="en-GB" sz="1500" dirty="0">
+              <a:rPr lang="en-GB" sz="1600" dirty="0">
                 <a:effectLst/>
                 <a:latin typeface="Helvetica" panose="020B0604020202020204" pitchFamily="34" charset="0"/>
                 <a:ea typeface="Times New Roman" panose="02020603050405020304" pitchFamily="18" charset="0"/>
@@ -4916,7 +4916,7 @@
               <a:buChar char=""/>
             </a:pPr>
             <a:r>
-              <a:rPr lang="en-GB" sz="1500" dirty="0">
+              <a:rPr lang="en-GB" sz="1600" dirty="0">
                 <a:effectLst/>
                 <a:latin typeface="Helvetica" panose="020B0604020202020204" pitchFamily="34" charset="0"/>
                 <a:ea typeface="Times New Roman" panose="02020603050405020304" pitchFamily="18" charset="0"/>
@@ -4924,7 +4924,7 @@
               </a:rPr>
               <a:t>Simulink</a:t>
             </a:r>
-            <a:endParaRPr lang="en-ZA" sz="1500" dirty="0">
+            <a:endParaRPr lang="en-ZA" sz="1600" dirty="0">
               <a:effectLst/>
               <a:latin typeface="Helvetica" panose="020B0604020202020204" pitchFamily="34" charset="0"/>
               <a:ea typeface="Times New Roman" panose="02020603050405020304" pitchFamily="18" charset="0"/>
@@ -5524,7 +5524,7 @@
         </p:spPr>
         <p:txBody>
           <a:bodyPr>
-            <a:normAutofit fontScale="92500" lnSpcReduction="10000"/>
+            <a:normAutofit/>
           </a:bodyPr>
           <a:lstStyle/>
           <a:p>
@@ -5633,170 +5633,6 @@
               <a:t>Video tutorial: How to Call MATLAB from Python</a:t>
             </a:r>
             <a:endParaRPr lang="en-GB" sz="1800" b="1" i="1" dirty="0">
-              <a:effectLst/>
-              <a:latin typeface="Helvetica" panose="020B0604020202020204" pitchFamily="34" charset="0"/>
-              <a:ea typeface="Times New Roman" panose="02020603050405020304" pitchFamily="18" charset="0"/>
-              <a:cs typeface="Times New Roman" panose="02020603050405020304" pitchFamily="18" charset="0"/>
-            </a:endParaRPr>
-          </a:p>
-          <a:p>
-            <a:pPr marL="0" indent="0">
-              <a:lnSpc>
-                <a:spcPct val="107000"/>
-              </a:lnSpc>
-              <a:spcBef>
-                <a:spcPts val="1050"/>
-              </a:spcBef>
-              <a:spcAft>
-                <a:spcPts val="1050"/>
-              </a:spcAft>
-              <a:buNone/>
-            </a:pPr>
-            <a:endParaRPr lang="en-GB" sz="1800" b="1" i="1" dirty="0">
-              <a:latin typeface="Helvetica" panose="020B0604020202020204" pitchFamily="34" charset="0"/>
-              <a:ea typeface="Times New Roman" panose="02020603050405020304" pitchFamily="18" charset="0"/>
-              <a:cs typeface="Times New Roman" panose="02020603050405020304" pitchFamily="18" charset="0"/>
-            </a:endParaRPr>
-          </a:p>
-          <a:p>
-            <a:pPr marL="0" indent="0">
-              <a:lnSpc>
-                <a:spcPct val="107000"/>
-              </a:lnSpc>
-              <a:spcBef>
-                <a:spcPts val="1050"/>
-              </a:spcBef>
-              <a:spcAft>
-                <a:spcPts val="1050"/>
-              </a:spcAft>
-              <a:buNone/>
-            </a:pPr>
-            <a:endParaRPr lang="en-GB" sz="1800" b="1" i="1" dirty="0">
-              <a:effectLst/>
-              <a:latin typeface="Helvetica" panose="020B0604020202020204" pitchFamily="34" charset="0"/>
-              <a:ea typeface="Times New Roman" panose="02020603050405020304" pitchFamily="18" charset="0"/>
-              <a:cs typeface="Times New Roman" panose="02020603050405020304" pitchFamily="18" charset="0"/>
-            </a:endParaRPr>
-          </a:p>
-          <a:p>
-            <a:pPr marL="0" indent="0">
-              <a:lnSpc>
-                <a:spcPct val="107000"/>
-              </a:lnSpc>
-              <a:spcBef>
-                <a:spcPts val="1050"/>
-              </a:spcBef>
-              <a:spcAft>
-                <a:spcPts val="1050"/>
-              </a:spcAft>
-              <a:buNone/>
-            </a:pPr>
-            <a:endParaRPr lang="en-GB" sz="1800" b="1" i="1" dirty="0">
-              <a:latin typeface="Helvetica" panose="020B0604020202020204" pitchFamily="34" charset="0"/>
-              <a:ea typeface="Times New Roman" panose="02020603050405020304" pitchFamily="18" charset="0"/>
-              <a:cs typeface="Times New Roman" panose="02020603050405020304" pitchFamily="18" charset="0"/>
-            </a:endParaRPr>
-          </a:p>
-          <a:p>
-            <a:pPr marL="0" indent="0">
-              <a:lnSpc>
-                <a:spcPct val="107000"/>
-              </a:lnSpc>
-              <a:spcBef>
-                <a:spcPts val="1050"/>
-              </a:spcBef>
-              <a:spcAft>
-                <a:spcPts val="1050"/>
-              </a:spcAft>
-              <a:buNone/>
-            </a:pPr>
-            <a:endParaRPr lang="en-GB" sz="1800" b="1" i="1" dirty="0">
-              <a:effectLst/>
-              <a:latin typeface="Helvetica" panose="020B0604020202020204" pitchFamily="34" charset="0"/>
-              <a:ea typeface="Times New Roman" panose="02020603050405020304" pitchFamily="18" charset="0"/>
-              <a:cs typeface="Times New Roman" panose="02020603050405020304" pitchFamily="18" charset="0"/>
-            </a:endParaRPr>
-          </a:p>
-          <a:p>
-            <a:pPr marL="0" indent="0">
-              <a:lnSpc>
-                <a:spcPct val="107000"/>
-              </a:lnSpc>
-              <a:spcBef>
-                <a:spcPts val="1050"/>
-              </a:spcBef>
-              <a:spcAft>
-                <a:spcPts val="1050"/>
-              </a:spcAft>
-              <a:buNone/>
-            </a:pPr>
-            <a:endParaRPr lang="en-GB" sz="1800" b="1" i="1" dirty="0">
-              <a:latin typeface="Helvetica" panose="020B0604020202020204" pitchFamily="34" charset="0"/>
-              <a:ea typeface="Times New Roman" panose="02020603050405020304" pitchFamily="18" charset="0"/>
-              <a:cs typeface="Times New Roman" panose="02020603050405020304" pitchFamily="18" charset="0"/>
-            </a:endParaRPr>
-          </a:p>
-          <a:p>
-            <a:pPr marL="0" indent="0">
-              <a:lnSpc>
-                <a:spcPct val="107000"/>
-              </a:lnSpc>
-              <a:spcBef>
-                <a:spcPts val="1050"/>
-              </a:spcBef>
-              <a:spcAft>
-                <a:spcPts val="1050"/>
-              </a:spcAft>
-              <a:buNone/>
-            </a:pPr>
-            <a:endParaRPr lang="en-GB" sz="1800" b="1" i="1" dirty="0">
-              <a:effectLst/>
-              <a:latin typeface="Helvetica" panose="020B0604020202020204" pitchFamily="34" charset="0"/>
-              <a:ea typeface="Times New Roman" panose="02020603050405020304" pitchFamily="18" charset="0"/>
-              <a:cs typeface="Times New Roman" panose="02020603050405020304" pitchFamily="18" charset="0"/>
-            </a:endParaRPr>
-          </a:p>
-          <a:p>
-            <a:pPr marL="0" indent="0">
-              <a:lnSpc>
-                <a:spcPct val="107000"/>
-              </a:lnSpc>
-              <a:spcBef>
-                <a:spcPts val="1050"/>
-              </a:spcBef>
-              <a:spcAft>
-                <a:spcPts val="1050"/>
-              </a:spcAft>
-              <a:buNone/>
-            </a:pPr>
-            <a:r>
-              <a:rPr lang="en-GB" sz="1800" b="1" i="1" dirty="0">
-                <a:effectLst/>
-                <a:latin typeface="Helvetica" panose="020B0604020202020204" pitchFamily="34" charset="0"/>
-                <a:ea typeface="Times New Roman" panose="02020603050405020304" pitchFamily="18" charset="0"/>
-                <a:cs typeface="Times New Roman" panose="02020603050405020304" pitchFamily="18" charset="0"/>
-              </a:rPr>
-              <a:t>Copyright 2022 The MathWorks, Inc. &amp; Opti-</a:t>
-            </a:r>
-            <a:r>
-              <a:rPr lang="en-GB" sz="1800" b="1" i="1" dirty="0" err="1">
-                <a:effectLst/>
-                <a:latin typeface="Helvetica" panose="020B0604020202020204" pitchFamily="34" charset="0"/>
-                <a:ea typeface="Times New Roman" panose="02020603050405020304" pitchFamily="18" charset="0"/>
-                <a:cs typeface="Times New Roman" panose="02020603050405020304" pitchFamily="18" charset="0"/>
-              </a:rPr>
-              <a:t>Num</a:t>
-            </a:r>
-            <a:r>
-              <a:rPr lang="en-GB" sz="1800" b="1" i="1" dirty="0">
-                <a:effectLst/>
-                <a:latin typeface="Helvetica" panose="020B0604020202020204" pitchFamily="34" charset="0"/>
-                <a:ea typeface="Times New Roman" panose="02020603050405020304" pitchFamily="18" charset="0"/>
-                <a:cs typeface="Times New Roman" panose="02020603050405020304" pitchFamily="18" charset="0"/>
-              </a:rPr>
-              <a:t> Solutions (Pty) Ltd. </a:t>
-            </a:r>
-            <a:endParaRPr lang="en-ZA" sz="1800" dirty="0">
               <a:effectLst/>
               <a:latin typeface="Helvetica" panose="020B0604020202020204" pitchFamily="34" charset="0"/>
               <a:ea typeface="Times New Roman" panose="02020603050405020304" pitchFamily="18" charset="0"/>
@@ -6097,15 +5933,175 @@
               </a:rPr>
               <a:t>Week_6_Part_2_Interoperability_Solution.mlx</a:t>
             </a:r>
-            <a:endParaRPr kumimoji="0" lang="en-ZA" altLang="en-US" sz="1600" b="0" i="0" u="none" strike="noStrike" cap="none" normalizeH="0" baseline="0" dirty="0">
-              <a:ln>
-                <a:noFill/>
-              </a:ln>
-              <a:solidFill>
-                <a:schemeClr val="tx1"/>
-              </a:solidFill>
+            <a:endParaRPr lang="en-ZA" sz="1600" dirty="0">
               <a:effectLst/>
-              <a:latin typeface="Arial" panose="020B0604020202020204" pitchFamily="34" charset="0"/>
+              <a:latin typeface="Helvetica" panose="020B0604020202020204" pitchFamily="34" charset="0"/>
+              <a:ea typeface="Times New Roman" panose="02020603050405020304" pitchFamily="18" charset="0"/>
+              <a:cs typeface="Times New Roman" panose="02020603050405020304" pitchFamily="18" charset="0"/>
+            </a:endParaRPr>
+          </a:p>
+          <a:p>
+            <a:pPr marL="0" indent="0">
+              <a:lnSpc>
+                <a:spcPct val="107000"/>
+              </a:lnSpc>
+              <a:spcBef>
+                <a:spcPts val="1050"/>
+              </a:spcBef>
+              <a:spcAft>
+                <a:spcPts val="1050"/>
+              </a:spcAft>
+              <a:buNone/>
+            </a:pPr>
+            <a:endParaRPr lang="en-GB" sz="1600" b="1" i="1" dirty="0">
+              <a:latin typeface="Helvetica" panose="020B0604020202020204" pitchFamily="34" charset="0"/>
+              <a:ea typeface="Times New Roman" panose="02020603050405020304" pitchFamily="18" charset="0"/>
+              <a:cs typeface="Times New Roman" panose="02020603050405020304" pitchFamily="18" charset="0"/>
+            </a:endParaRPr>
+          </a:p>
+          <a:p>
+            <a:pPr marL="0" indent="0">
+              <a:lnSpc>
+                <a:spcPct val="107000"/>
+              </a:lnSpc>
+              <a:spcBef>
+                <a:spcPts val="1050"/>
+              </a:spcBef>
+              <a:spcAft>
+                <a:spcPts val="1050"/>
+              </a:spcAft>
+              <a:buNone/>
+            </a:pPr>
+            <a:endParaRPr lang="en-GB" sz="1600" b="1" i="1" dirty="0">
+              <a:latin typeface="Helvetica" panose="020B0604020202020204" pitchFamily="34" charset="0"/>
+              <a:ea typeface="Times New Roman" panose="02020603050405020304" pitchFamily="18" charset="0"/>
+              <a:cs typeface="Times New Roman" panose="02020603050405020304" pitchFamily="18" charset="0"/>
+            </a:endParaRPr>
+          </a:p>
+          <a:p>
+            <a:pPr marL="0" indent="0">
+              <a:lnSpc>
+                <a:spcPct val="107000"/>
+              </a:lnSpc>
+              <a:spcBef>
+                <a:spcPts val="1050"/>
+              </a:spcBef>
+              <a:spcAft>
+                <a:spcPts val="1050"/>
+              </a:spcAft>
+              <a:buNone/>
+            </a:pPr>
+            <a:endParaRPr lang="en-GB" sz="1600" b="1" i="1" dirty="0">
+              <a:effectLst/>
+              <a:latin typeface="Helvetica" panose="020B0604020202020204" pitchFamily="34" charset="0"/>
+              <a:ea typeface="Times New Roman" panose="02020603050405020304" pitchFamily="18" charset="0"/>
+              <a:cs typeface="Times New Roman" panose="02020603050405020304" pitchFamily="18" charset="0"/>
+            </a:endParaRPr>
+          </a:p>
+          <a:p>
+            <a:pPr marL="0" indent="0">
+              <a:lnSpc>
+                <a:spcPct val="107000"/>
+              </a:lnSpc>
+              <a:spcBef>
+                <a:spcPts val="1050"/>
+              </a:spcBef>
+              <a:spcAft>
+                <a:spcPts val="1050"/>
+              </a:spcAft>
+              <a:buNone/>
+            </a:pPr>
+            <a:endParaRPr lang="en-GB" sz="1600" b="1" i="1" dirty="0">
+              <a:latin typeface="Helvetica" panose="020B0604020202020204" pitchFamily="34" charset="0"/>
+              <a:ea typeface="Times New Roman" panose="02020603050405020304" pitchFamily="18" charset="0"/>
+              <a:cs typeface="Times New Roman" panose="02020603050405020304" pitchFamily="18" charset="0"/>
+            </a:endParaRPr>
+          </a:p>
+          <a:p>
+            <a:pPr marL="0" indent="0">
+              <a:lnSpc>
+                <a:spcPct val="107000"/>
+              </a:lnSpc>
+              <a:spcBef>
+                <a:spcPts val="1050"/>
+              </a:spcBef>
+              <a:spcAft>
+                <a:spcPts val="1050"/>
+              </a:spcAft>
+              <a:buNone/>
+            </a:pPr>
+            <a:endParaRPr lang="en-GB" sz="1600" b="1" i="1" dirty="0">
+              <a:effectLst/>
+              <a:latin typeface="Helvetica" panose="020B0604020202020204" pitchFamily="34" charset="0"/>
+              <a:ea typeface="Times New Roman" panose="02020603050405020304" pitchFamily="18" charset="0"/>
+              <a:cs typeface="Times New Roman" panose="02020603050405020304" pitchFamily="18" charset="0"/>
+            </a:endParaRPr>
+          </a:p>
+          <a:p>
+            <a:pPr marL="0" indent="0">
+              <a:lnSpc>
+                <a:spcPct val="107000"/>
+              </a:lnSpc>
+              <a:spcBef>
+                <a:spcPts val="1050"/>
+              </a:spcBef>
+              <a:spcAft>
+                <a:spcPts val="1050"/>
+              </a:spcAft>
+              <a:buNone/>
+            </a:pPr>
+            <a:endParaRPr lang="en-GB" sz="1600" b="1" i="1" dirty="0">
+              <a:effectLst/>
+              <a:latin typeface="Helvetica" panose="020B0604020202020204" pitchFamily="34" charset="0"/>
+              <a:ea typeface="Times New Roman" panose="02020603050405020304" pitchFamily="18" charset="0"/>
+              <a:cs typeface="Times New Roman" panose="02020603050405020304" pitchFamily="18" charset="0"/>
+            </a:endParaRPr>
+          </a:p>
+          <a:p>
+            <a:pPr marL="0" indent="0">
+              <a:lnSpc>
+                <a:spcPct val="107000"/>
+              </a:lnSpc>
+              <a:spcBef>
+                <a:spcPts val="1050"/>
+              </a:spcBef>
+              <a:spcAft>
+                <a:spcPts val="1050"/>
+              </a:spcAft>
+              <a:buNone/>
+            </a:pPr>
+            <a:r>
+              <a:rPr lang="en-GB" sz="1600" b="1" i="1" dirty="0">
+                <a:effectLst/>
+                <a:latin typeface="Helvetica" panose="020B0604020202020204" pitchFamily="34" charset="0"/>
+                <a:ea typeface="Times New Roman" panose="02020603050405020304" pitchFamily="18" charset="0"/>
+                <a:cs typeface="Times New Roman" panose="02020603050405020304" pitchFamily="18" charset="0"/>
+              </a:rPr>
+              <a:t>Copyright 2022 The MathWorks, Inc. &amp; Opti-</a:t>
+            </a:r>
+            <a:r>
+              <a:rPr lang="en-GB" sz="1600" b="1" i="1" dirty="0" err="1">
+                <a:effectLst/>
+                <a:latin typeface="Helvetica" panose="020B0604020202020204" pitchFamily="34" charset="0"/>
+                <a:ea typeface="Times New Roman" panose="02020603050405020304" pitchFamily="18" charset="0"/>
+                <a:cs typeface="Times New Roman" panose="02020603050405020304" pitchFamily="18" charset="0"/>
+              </a:rPr>
+              <a:t>Num</a:t>
+            </a:r>
+            <a:r>
+              <a:rPr lang="en-GB" sz="1600" b="1" i="1" dirty="0">
+                <a:effectLst/>
+                <a:latin typeface="Helvetica" panose="020B0604020202020204" pitchFamily="34" charset="0"/>
+                <a:ea typeface="Times New Roman" panose="02020603050405020304" pitchFamily="18" charset="0"/>
+                <a:cs typeface="Times New Roman" panose="02020603050405020304" pitchFamily="18" charset="0"/>
+              </a:rPr>
+              <a:t> Solutions (Pty) Ltd. </a:t>
+            </a:r>
+            <a:endParaRPr lang="en-ZA" sz="1600" dirty="0">
+              <a:effectLst/>
+              <a:latin typeface="Helvetica" panose="020B0604020202020204" pitchFamily="34" charset="0"/>
+              <a:ea typeface="Times New Roman" panose="02020603050405020304" pitchFamily="18" charset="0"/>
+              <a:cs typeface="Times New Roman" panose="02020603050405020304" pitchFamily="18" charset="0"/>
             </a:endParaRPr>
           </a:p>
         </p:txBody>
@@ -6760,7 +6756,7 @@
               <a:buNone/>
             </a:pPr>
             <a:r>
-              <a:rPr lang="en-GB" sz="1800" dirty="0">
+              <a:rPr lang="en-GB" sz="1600" dirty="0">
                 <a:effectLst/>
                 <a:latin typeface="Helvetica" panose="020B0604020202020204" pitchFamily="34" charset="0"/>
                 <a:ea typeface="Times New Roman" panose="02020603050405020304" pitchFamily="18" charset="0"/>
@@ -6768,7 +6764,7 @@
               </a:rPr>
               <a:t>This week in part 1, we learnt about: </a:t>
             </a:r>
-            <a:endParaRPr lang="en-ZA" sz="1800" dirty="0">
+            <a:endParaRPr lang="en-ZA" sz="1600" dirty="0">
               <a:effectLst/>
               <a:latin typeface="Helvetica" panose="020B0604020202020204" pitchFamily="34" charset="0"/>
               <a:ea typeface="Times New Roman" panose="02020603050405020304" pitchFamily="18" charset="0"/>
@@ -6787,7 +6783,7 @@
               </a:tabLst>
             </a:pPr>
             <a:r>
-              <a:rPr lang="en-ZA" sz="1800" dirty="0">
+              <a:rPr lang="en-ZA" sz="1600" dirty="0">
                 <a:effectLst/>
                 <a:latin typeface="Helvetica" panose="020B0604020202020204" pitchFamily="34" charset="0"/>
                 <a:ea typeface="Times New Roman" panose="02020603050405020304" pitchFamily="18" charset="0"/>
@@ -6808,7 +6804,7 @@
               </a:tabLst>
             </a:pPr>
             <a:r>
-              <a:rPr lang="en-ZA" sz="1800" dirty="0">
+              <a:rPr lang="en-ZA" sz="1600" dirty="0">
                 <a:effectLst/>
                 <a:latin typeface="Helvetica" panose="020B0604020202020204" pitchFamily="34" charset="0"/>
                 <a:ea typeface="Times New Roman" panose="02020603050405020304" pitchFamily="18" charset="0"/>
@@ -6829,7 +6825,7 @@
               </a:tabLst>
             </a:pPr>
             <a:r>
-              <a:rPr lang="en-ZA" sz="1800" dirty="0">
+              <a:rPr lang="en-ZA" sz="1600" dirty="0">
                 <a:effectLst/>
                 <a:latin typeface="Helvetica" panose="020B0604020202020204" pitchFamily="34" charset="0"/>
                 <a:ea typeface="Times New Roman" panose="02020603050405020304" pitchFamily="18" charset="0"/>
@@ -6852,7 +6848,7 @@
               <a:buNone/>
             </a:pPr>
             <a:r>
-              <a:rPr lang="en-GB" sz="1800" dirty="0">
+              <a:rPr lang="en-GB" sz="1600" dirty="0">
                 <a:effectLst/>
                 <a:latin typeface="Helvetica" panose="020B0604020202020204" pitchFamily="34" charset="0"/>
                 <a:ea typeface="Times New Roman" panose="02020603050405020304" pitchFamily="18" charset="0"/>
@@ -6860,7 +6856,7 @@
               </a:rPr>
               <a:t>In the next part of this week's content, we will be learning about interoperability, covering the following sub-topics: </a:t>
             </a:r>
-            <a:endParaRPr lang="en-ZA" sz="1800" dirty="0">
+            <a:endParaRPr lang="en-ZA" sz="1600" dirty="0">
               <a:effectLst/>
               <a:latin typeface="Helvetica" panose="020B0604020202020204" pitchFamily="34" charset="0"/>
               <a:ea typeface="Times New Roman" panose="02020603050405020304" pitchFamily="18" charset="0"/>
@@ -6876,7 +6872,7 @@
               <a:buChar char=""/>
             </a:pPr>
             <a:r>
-              <a:rPr lang="en-ZA" sz="1800" dirty="0">
+              <a:rPr lang="en-ZA" sz="1600" dirty="0">
                 <a:effectLst/>
                 <a:latin typeface="Helvetica" panose="020B0604020202020204" pitchFamily="34" charset="0"/>
                 <a:ea typeface="Times New Roman" panose="02020603050405020304" pitchFamily="18" charset="0"/>
@@ -6894,7 +6890,7 @@
               <a:buChar char=""/>
             </a:pPr>
             <a:r>
-              <a:rPr lang="en-ZA" sz="1800" dirty="0">
+              <a:rPr lang="en-ZA" sz="1600" dirty="0">
                 <a:effectLst/>
                 <a:latin typeface="Helvetica" panose="020B0604020202020204" pitchFamily="34" charset="0"/>
                 <a:ea typeface="Times New Roman" panose="02020603050405020304" pitchFamily="18" charset="0"/>
@@ -7160,7 +7156,7 @@
               <a:buNone/>
             </a:pPr>
             <a:r>
-              <a:rPr lang="en-GB" sz="1800" dirty="0">
+              <a:rPr lang="en-GB" sz="1600" dirty="0">
                 <a:effectLst/>
                 <a:latin typeface="Helvetica" panose="020B0604020202020204" pitchFamily="34" charset="0"/>
                 <a:ea typeface="Times New Roman" panose="02020603050405020304" pitchFamily="18" charset="0"/>
@@ -7168,7 +7164,7 @@
               </a:rPr>
               <a:t>Interoperability is the ability of computer systems or software to exchange and make use of information. MATLAB offers interoperability between many other languages, as well as three means of achieving this: </a:t>
             </a:r>
-            <a:endParaRPr lang="en-ZA" sz="1800" dirty="0">
+            <a:endParaRPr lang="en-ZA" sz="1600" dirty="0">
               <a:effectLst/>
               <a:latin typeface="Helvetica" panose="020B0604020202020204" pitchFamily="34" charset="0"/>
               <a:ea typeface="Times New Roman" panose="02020603050405020304" pitchFamily="18" charset="0"/>
@@ -7184,7 +7180,7 @@
               <a:buChar char=""/>
             </a:pPr>
             <a:r>
-              <a:rPr lang="en-GB" sz="1800" dirty="0">
+              <a:rPr lang="en-GB" sz="1600" dirty="0">
                 <a:effectLst/>
                 <a:latin typeface="Helvetica" panose="020B0604020202020204" pitchFamily="34" charset="0"/>
                 <a:ea typeface="Times New Roman" panose="02020603050405020304" pitchFamily="18" charset="0"/>
@@ -7192,7 +7188,7 @@
               </a:rPr>
               <a:t>Call libraries written in another language from MATLAB </a:t>
             </a:r>
-            <a:endParaRPr lang="en-ZA" sz="1800" dirty="0">
+            <a:endParaRPr lang="en-ZA" sz="1600" dirty="0">
               <a:effectLst/>
               <a:latin typeface="Helvetica" panose="020B0604020202020204" pitchFamily="34" charset="0"/>
               <a:ea typeface="Times New Roman" panose="02020603050405020304" pitchFamily="18" charset="0"/>
@@ -7208,7 +7204,7 @@
               <a:buChar char=""/>
             </a:pPr>
             <a:r>
-              <a:rPr lang="en-GB" sz="1800" dirty="0">
+              <a:rPr lang="en-GB" sz="1600" dirty="0">
                 <a:effectLst/>
                 <a:latin typeface="Helvetica" panose="020B0604020202020204" pitchFamily="34" charset="0"/>
                 <a:ea typeface="Times New Roman" panose="02020603050405020304" pitchFamily="18" charset="0"/>
@@ -7216,7 +7212,7 @@
               </a:rPr>
               <a:t>Call MATLAB from another language </a:t>
             </a:r>
-            <a:endParaRPr lang="en-ZA" sz="1800" dirty="0">
+            <a:endParaRPr lang="en-ZA" sz="1600" dirty="0">
               <a:effectLst/>
               <a:latin typeface="Helvetica" panose="020B0604020202020204" pitchFamily="34" charset="0"/>
               <a:ea typeface="Times New Roman" panose="02020603050405020304" pitchFamily="18" charset="0"/>
@@ -7232,7 +7228,7 @@
               <a:buChar char=""/>
             </a:pPr>
             <a:r>
-              <a:rPr lang="en-GB" sz="1800" dirty="0">
+              <a:rPr lang="en-GB" sz="1600" dirty="0">
                 <a:effectLst/>
                 <a:latin typeface="Helvetica" panose="020B0604020202020204" pitchFamily="34" charset="0"/>
                 <a:ea typeface="Times New Roman" panose="02020603050405020304" pitchFamily="18" charset="0"/>
@@ -7240,7 +7236,7 @@
               </a:rPr>
               <a:t>Package MATLAB programs as software components for use in other languages</a:t>
             </a:r>
-            <a:endParaRPr lang="en-ZA" sz="1800" dirty="0">
+            <a:endParaRPr lang="en-ZA" sz="1600" dirty="0">
               <a:effectLst/>
               <a:latin typeface="Helvetica" panose="020B0604020202020204" pitchFamily="34" charset="0"/>
               <a:ea typeface="Times New Roman" panose="02020603050405020304" pitchFamily="18" charset="0"/>
@@ -7495,7 +7491,7 @@
               <a:buNone/>
             </a:pPr>
             <a:r>
-              <a:rPr lang="en-GB" sz="1800" dirty="0">
+              <a:rPr lang="en-GB" sz="1600" dirty="0">
                 <a:effectLst/>
                 <a:latin typeface="Helvetica" panose="020B0604020202020204" pitchFamily="34" charset="0"/>
                 <a:ea typeface="Times New Roman" panose="02020603050405020304" pitchFamily="18" charset="0"/>
@@ -7504,7 +7500,7 @@
               <a:t>The following graphic covers each of these in more details, but we encourage you to consult </a:t>
             </a:r>
             <a:r>
-              <a:rPr lang="en-GB" sz="1800" dirty="0">
+              <a:rPr lang="en-GB" sz="1600" dirty="0">
                 <a:solidFill>
                   <a:srgbClr val="005FCE"/>
                 </a:solidFill>
@@ -7517,7 +7513,7 @@
               <a:t>this link</a:t>
             </a:r>
             <a:r>
-              <a:rPr lang="en-GB" sz="1800" dirty="0">
+              <a:rPr lang="en-GB" sz="1600" dirty="0">
                 <a:effectLst/>
                 <a:latin typeface="Helvetica" panose="020B0604020202020204" pitchFamily="34" charset="0"/>
                 <a:ea typeface="Times New Roman" panose="02020603050405020304" pitchFamily="18" charset="0"/>
@@ -7525,7 +7521,7 @@
               </a:rPr>
               <a:t> for more information on using MATLAB with other languages.</a:t>
             </a:r>
-            <a:endParaRPr lang="en-ZA" sz="1800" dirty="0">
+            <a:endParaRPr lang="en-ZA" sz="1600" dirty="0">
               <a:effectLst/>
               <a:latin typeface="Helvetica" panose="020B0604020202020204" pitchFamily="34" charset="0"/>
               <a:ea typeface="Times New Roman" panose="02020603050405020304" pitchFamily="18" charset="0"/>
@@ -7816,7 +7812,7 @@
               <a:buNone/>
             </a:pPr>
             <a:r>
-              <a:rPr lang="en-GB" sz="1800" dirty="0">
+              <a:rPr lang="en-GB" sz="1600" dirty="0">
                 <a:effectLst/>
                 <a:latin typeface="Helvetica" panose="020B0604020202020204" pitchFamily="34" charset="0"/>
                 <a:ea typeface="Times New Roman" panose="02020603050405020304" pitchFamily="18" charset="0"/>
@@ -7825,7 +7821,7 @@
               <a:t>You can also leverage open architecture formats in your workflow. The ONNX model format is one such example, where importing and exporting of Deep Learning models in MATLAB (and consequently Simulink) enables cross-tool development, testing, and deployment. See the </a:t>
             </a:r>
             <a:r>
-              <a:rPr lang="en-GB" sz="1800" dirty="0">
+              <a:rPr lang="en-GB" sz="1600" dirty="0">
                 <a:solidFill>
                   <a:srgbClr val="005FCE"/>
                 </a:solidFill>
@@ -7838,7 +7834,7 @@
               <a:t>Deep Learning Import and Export</a:t>
             </a:r>
             <a:r>
-              <a:rPr lang="en-GB" sz="1800" dirty="0">
+              <a:rPr lang="en-GB" sz="1600" dirty="0">
                 <a:effectLst/>
                 <a:latin typeface="Helvetica" panose="020B0604020202020204" pitchFamily="34" charset="0"/>
                 <a:ea typeface="Times New Roman" panose="02020603050405020304" pitchFamily="18" charset="0"/>
@@ -7846,7 +7842,7 @@
               </a:rPr>
               <a:t> documentation for more information on this. </a:t>
             </a:r>
-            <a:endParaRPr lang="en-ZA" sz="1800" dirty="0">
+            <a:endParaRPr lang="en-ZA" sz="1600" dirty="0">
               <a:effectLst/>
               <a:latin typeface="Helvetica" panose="020B0604020202020204" pitchFamily="34" charset="0"/>
               <a:ea typeface="Times New Roman" panose="02020603050405020304" pitchFamily="18" charset="0"/>
@@ -8649,7 +8645,7 @@
         </p:nvSpPr>
         <p:spPr>
           <a:xfrm>
-            <a:off x="462013" y="4764502"/>
+            <a:off x="462013" y="4492122"/>
             <a:ext cx="8229600" cy="360000"/>
           </a:xfrm>
           <a:prstGeom prst="rect">
@@ -8707,7 +8703,7 @@
         </p:nvSpPr>
         <p:spPr>
           <a:xfrm>
-            <a:off x="462013" y="2743195"/>
+            <a:off x="462013" y="2616735"/>
             <a:ext cx="8229600" cy="360000"/>
           </a:xfrm>
           <a:prstGeom prst="rect">
@@ -8846,7 +8842,7 @@
               <a:buNone/>
             </a:pPr>
             <a:r>
-              <a:rPr lang="en-GB" sz="1800" dirty="0">
+              <a:rPr lang="en-GB" sz="1600" dirty="0">
                 <a:effectLst/>
                 <a:latin typeface="Helvetica" panose="020B0604020202020204" pitchFamily="34" charset="0"/>
                 <a:ea typeface="Times New Roman" panose="02020603050405020304" pitchFamily="18" charset="0"/>
@@ -8855,7 +8851,7 @@
               <a:t>When calling a Python function that takes a numeric input argument, MATLAB converts double values into types that best represent the data to the Python language. For example, to call trigonometry functions in the Python </a:t>
             </a:r>
             <a:r>
-              <a:rPr lang="en-GB" sz="1800" dirty="0">
+              <a:rPr lang="en-GB" sz="1600" dirty="0">
                 <a:effectLst/>
                 <a:latin typeface="Consolas" panose="020B0609020204030204" pitchFamily="49" charset="0"/>
                 <a:ea typeface="Times New Roman" panose="02020603050405020304" pitchFamily="18" charset="0"/>
@@ -8864,7 +8860,7 @@
               <a:t>math</a:t>
             </a:r>
             <a:r>
-              <a:rPr lang="en-GB" sz="1800" dirty="0">
+              <a:rPr lang="en-GB" sz="1600" dirty="0">
                 <a:effectLst/>
                 <a:latin typeface="Helvetica" panose="020B0604020202020204" pitchFamily="34" charset="0"/>
                 <a:ea typeface="Times New Roman" panose="02020603050405020304" pitchFamily="18" charset="0"/>
@@ -8890,7 +8886,7 @@
               </a:tabLst>
             </a:pPr>
             <a:r>
-              <a:rPr lang="en-ZA" sz="1800" dirty="0">
+              <a:rPr lang="en-ZA" sz="1600" dirty="0">
                 <a:effectLst/>
                 <a:latin typeface="Consolas" panose="020B0609020204030204" pitchFamily="49" charset="0"/>
                 <a:ea typeface="Times New Roman" panose="02020603050405020304" pitchFamily="18" charset="0"/>
@@ -8899,7 +8895,7 @@
               <a:t>	</a:t>
             </a:r>
             <a:r>
-              <a:rPr lang="en-ZA" sz="1800" dirty="0" err="1">
+              <a:rPr lang="en-ZA" sz="1600" dirty="0" err="1">
                 <a:effectLst/>
                 <a:latin typeface="Consolas" panose="020B0609020204030204" pitchFamily="49" charset="0"/>
                 <a:ea typeface="Times New Roman" panose="02020603050405020304" pitchFamily="18" charset="0"/>
@@ -8908,7 +8904,7 @@
               <a:t>pynum</a:t>
             </a:r>
             <a:r>
-              <a:rPr lang="en-ZA" sz="1800" dirty="0">
+              <a:rPr lang="en-ZA" sz="1600" dirty="0">
                 <a:effectLst/>
                 <a:latin typeface="Consolas" panose="020B0609020204030204" pitchFamily="49" charset="0"/>
                 <a:ea typeface="Times New Roman" panose="02020603050405020304" pitchFamily="18" charset="0"/>
@@ -8917,7 +8913,7 @@
               <a:t> = </a:t>
             </a:r>
             <a:r>
-              <a:rPr lang="en-ZA" sz="1800" dirty="0" err="1">
+              <a:rPr lang="en-ZA" sz="1600" dirty="0" err="1">
                 <a:effectLst/>
                 <a:latin typeface="Consolas" panose="020B0609020204030204" pitchFamily="49" charset="0"/>
                 <a:ea typeface="Times New Roman" panose="02020603050405020304" pitchFamily="18" charset="0"/>
@@ -8926,7 +8922,7 @@
               <a:t>py.math.radians</a:t>
             </a:r>
             <a:r>
-              <a:rPr lang="en-ZA" sz="1800" dirty="0">
+              <a:rPr lang="en-ZA" sz="1600" dirty="0">
                 <a:effectLst/>
                 <a:latin typeface="Consolas" panose="020B0609020204030204" pitchFamily="49" charset="0"/>
                 <a:ea typeface="Times New Roman" panose="02020603050405020304" pitchFamily="18" charset="0"/>
@@ -8953,7 +8949,7 @@
               </a:tabLst>
             </a:pPr>
             <a:r>
-              <a:rPr lang="en-ZA" sz="1800" dirty="0">
+              <a:rPr lang="en-ZA" sz="1600" dirty="0">
                 <a:latin typeface="Consolas" panose="020B0609020204030204" pitchFamily="49" charset="0"/>
                 <a:ea typeface="Times New Roman" panose="02020603050405020304" pitchFamily="18" charset="0"/>
                 <a:cs typeface="Times New Roman" panose="02020603050405020304" pitchFamily="18" charset="0"/>
@@ -8961,7 +8957,7 @@
               <a:t>		</a:t>
             </a:r>
             <a:r>
-              <a:rPr lang="en-ZA" sz="1600" dirty="0" err="1">
+              <a:rPr lang="en-ZA" sz="1400" dirty="0" err="1">
                 <a:effectLst/>
                 <a:latin typeface="Consolas" panose="020B0609020204030204" pitchFamily="49" charset="0"/>
                 <a:ea typeface="Times New Roman" panose="02020603050405020304" pitchFamily="18" charset="0"/>
@@ -8970,7 +8966,7 @@
               <a:t>pynum</a:t>
             </a:r>
             <a:r>
-              <a:rPr lang="en-ZA" sz="1600" dirty="0">
+              <a:rPr lang="en-ZA" sz="1400" dirty="0">
                 <a:effectLst/>
                 <a:latin typeface="Consolas" panose="020B0609020204030204" pitchFamily="49" charset="0"/>
                 <a:ea typeface="Times New Roman" panose="02020603050405020304" pitchFamily="18" charset="0"/>
@@ -8978,7 +8974,7 @@
               </a:rPr>
               <a:t> =    1.570796326794897</a:t>
             </a:r>
-            <a:endParaRPr lang="en-ZA" sz="1800" dirty="0">
+            <a:endParaRPr lang="en-ZA" sz="1600" dirty="0">
               <a:effectLst/>
               <a:latin typeface="Consolas" panose="020B0609020204030204" pitchFamily="49" charset="0"/>
               <a:ea typeface="Times New Roman" panose="02020603050405020304" pitchFamily="18" charset="0"/>
@@ -8999,7 +8995,7 @@
               <a:buNone/>
             </a:pPr>
             <a:r>
-              <a:rPr lang="en-ZA" sz="1800" dirty="0">
+              <a:rPr lang="en-ZA" sz="1600" dirty="0">
                 <a:effectLst/>
                 <a:latin typeface="Helvetica" panose="020B0604020202020204" pitchFamily="34" charset="0"/>
                 <a:ea typeface="Times New Roman" panose="02020603050405020304" pitchFamily="18" charset="0"/>
@@ -9025,7 +9021,7 @@
               </a:tabLst>
             </a:pPr>
             <a:r>
-              <a:rPr lang="en-ZA" sz="1800" dirty="0">
+              <a:rPr lang="en-ZA" sz="1600" dirty="0">
                 <a:effectLst/>
                 <a:latin typeface="Consolas" panose="020B0609020204030204" pitchFamily="49" charset="0"/>
                 <a:ea typeface="Times New Roman" panose="02020603050405020304" pitchFamily="18" charset="0"/>
@@ -9034,7 +9030,7 @@
               <a:t>	class(</a:t>
             </a:r>
             <a:r>
-              <a:rPr lang="en-ZA" sz="1800" dirty="0" err="1">
+              <a:rPr lang="en-ZA" sz="1600" dirty="0" err="1">
                 <a:effectLst/>
                 <a:latin typeface="Consolas" panose="020B0609020204030204" pitchFamily="49" charset="0"/>
                 <a:ea typeface="Times New Roman" panose="02020603050405020304" pitchFamily="18" charset="0"/>
@@ -9043,7 +9039,7 @@
               <a:t>pynum</a:t>
             </a:r>
             <a:r>
-              <a:rPr lang="en-ZA" sz="1800" dirty="0">
+              <a:rPr lang="en-ZA" sz="1600" dirty="0">
                 <a:effectLst/>
                 <a:latin typeface="Consolas" panose="020B0609020204030204" pitchFamily="49" charset="0"/>
                 <a:ea typeface="Times New Roman" panose="02020603050405020304" pitchFamily="18" charset="0"/>
@@ -9069,7 +9065,7 @@
               </a:tabLst>
             </a:pPr>
             <a:r>
-              <a:rPr lang="en-ZA" sz="1800" dirty="0">
+              <a:rPr lang="en-ZA" sz="1600" dirty="0">
                 <a:effectLst/>
                 <a:latin typeface="Consolas" panose="020B0609020204030204" pitchFamily="49" charset="0"/>
                 <a:ea typeface="Times New Roman" panose="02020603050405020304" pitchFamily="18" charset="0"/>
@@ -9078,7 +9074,7 @@
               <a:t>	</a:t>
             </a:r>
             <a:r>
-              <a:rPr lang="en-ZA" sz="1600" dirty="0" err="1">
+              <a:rPr lang="en-ZA" sz="1400" dirty="0" err="1">
                 <a:effectLst/>
                 <a:latin typeface="Consolas" panose="020B0609020204030204" pitchFamily="49" charset="0"/>
                 <a:ea typeface="Times New Roman" panose="02020603050405020304" pitchFamily="18" charset="0"/>
@@ -9087,7 +9083,7 @@
               <a:t>ans</a:t>
             </a:r>
             <a:r>
-              <a:rPr lang="en-ZA" sz="1600" dirty="0">
+              <a:rPr lang="en-ZA" sz="1400" dirty="0">
                 <a:effectLst/>
                 <a:latin typeface="Consolas" panose="020B0609020204030204" pitchFamily="49" charset="0"/>
                 <a:ea typeface="Times New Roman" panose="02020603050405020304" pitchFamily="18" charset="0"/>
@@ -9272,7 +9268,7 @@
         </p:nvSpPr>
         <p:spPr>
           <a:xfrm>
-            <a:off x="462013" y="2454435"/>
+            <a:off x="462013" y="2337703"/>
             <a:ext cx="8229600" cy="360000"/>
           </a:xfrm>
           <a:prstGeom prst="rect">
@@ -9411,7 +9407,7 @@
               <a:buNone/>
             </a:pPr>
             <a:r>
-              <a:rPr lang="en-GB" sz="1800" dirty="0">
+              <a:rPr lang="en-GB" sz="1600" dirty="0">
                 <a:effectLst/>
                 <a:latin typeface="Helvetica" panose="020B0604020202020204" pitchFamily="34" charset="0"/>
                 <a:ea typeface="Times New Roman" panose="02020603050405020304" pitchFamily="18" charset="0"/>
@@ -9420,7 +9416,7 @@
               <a:t>For Python functions returning integer types, MATLAB automatically converts this type to </a:t>
             </a:r>
             <a:r>
-              <a:rPr lang="en-GB" sz="1800" dirty="0">
+              <a:rPr lang="en-GB" sz="1600" dirty="0">
                 <a:effectLst/>
                 <a:latin typeface="Consolas" panose="020B0609020204030204" pitchFamily="49" charset="0"/>
                 <a:ea typeface="Times New Roman" panose="02020603050405020304" pitchFamily="18" charset="0"/>
@@ -9429,7 +9425,7 @@
               <a:t>int64</a:t>
             </a:r>
             <a:r>
-              <a:rPr lang="en-GB" sz="1800" dirty="0">
+              <a:rPr lang="en-GB" sz="1600" dirty="0">
                 <a:effectLst/>
                 <a:latin typeface="Helvetica" panose="020B0604020202020204" pitchFamily="34" charset="0"/>
                 <a:ea typeface="Times New Roman" panose="02020603050405020304" pitchFamily="18" charset="0"/>
@@ -9438,7 +9434,7 @@
               <a:t>. For example, the </a:t>
             </a:r>
             <a:r>
-              <a:rPr lang="en-GB" sz="1800" dirty="0" err="1">
+              <a:rPr lang="en-GB" sz="1600" dirty="0" err="1">
                 <a:effectLst/>
                 <a:latin typeface="Consolas" panose="020B0609020204030204" pitchFamily="49" charset="0"/>
                 <a:ea typeface="Times New Roman" panose="02020603050405020304" pitchFamily="18" charset="0"/>
@@ -9447,7 +9443,7 @@
               <a:t>bit_length</a:t>
             </a:r>
             <a:r>
-              <a:rPr lang="en-GB" sz="1800" dirty="0">
+              <a:rPr lang="en-GB" sz="1600" dirty="0">
                 <a:effectLst/>
                 <a:latin typeface="Helvetica" panose="020B0604020202020204" pitchFamily="34" charset="0"/>
                 <a:ea typeface="Times New Roman" panose="02020603050405020304" pitchFamily="18" charset="0"/>
@@ -9456,7 +9452,7 @@
               <a:t> function returns the number of bits necessary to represent an integer in binary as an </a:t>
             </a:r>
             <a:r>
-              <a:rPr lang="en-GB" sz="1800" dirty="0">
+              <a:rPr lang="en-GB" sz="1600" dirty="0">
                 <a:effectLst/>
                 <a:latin typeface="Consolas" panose="020B0609020204030204" pitchFamily="49" charset="0"/>
                 <a:ea typeface="Times New Roman" panose="02020603050405020304" pitchFamily="18" charset="0"/>
@@ -9465,7 +9461,7 @@
               <a:t>int</a:t>
             </a:r>
             <a:r>
-              <a:rPr lang="en-GB" sz="1800" dirty="0">
+              <a:rPr lang="en-GB" sz="1600" dirty="0">
                 <a:effectLst/>
                 <a:latin typeface="Helvetica" panose="020B0604020202020204" pitchFamily="34" charset="0"/>
                 <a:ea typeface="Times New Roman" panose="02020603050405020304" pitchFamily="18" charset="0"/>
@@ -9491,7 +9487,7 @@
               </a:tabLst>
             </a:pPr>
             <a:r>
-              <a:rPr lang="en-ZA" sz="1800" dirty="0">
+              <a:rPr lang="en-ZA" sz="1600" dirty="0">
                 <a:effectLst/>
                 <a:latin typeface="Consolas" panose="020B0609020204030204" pitchFamily="49" charset="0"/>
                 <a:ea typeface="Times New Roman" panose="02020603050405020304" pitchFamily="18" charset="0"/>
@@ -9500,7 +9496,7 @@
               <a:t>	</a:t>
             </a:r>
             <a:r>
-              <a:rPr lang="en-GB" sz="1800" dirty="0">
+              <a:rPr lang="en-GB" sz="1600" dirty="0">
                 <a:effectLst/>
                 <a:latin typeface="Consolas" panose="020B0609020204030204" pitchFamily="49" charset="0"/>
                 <a:ea typeface="Times New Roman" panose="02020603050405020304" pitchFamily="18" charset="0"/>
@@ -9509,7 +9505,7 @@
               <a:t>py.int(</a:t>
             </a:r>
             <a:r>
-              <a:rPr lang="en-GB" sz="1800" dirty="0" err="1">
+              <a:rPr lang="en-GB" sz="1600" dirty="0" err="1">
                 <a:effectLst/>
                 <a:latin typeface="Consolas" panose="020B0609020204030204" pitchFamily="49" charset="0"/>
                 <a:ea typeface="Times New Roman" panose="02020603050405020304" pitchFamily="18" charset="0"/>
@@ -9518,7 +9514,7 @@
               <a:t>intmax</a:t>
             </a:r>
             <a:r>
-              <a:rPr lang="en-GB" sz="1800" dirty="0">
+              <a:rPr lang="en-GB" sz="1600" dirty="0">
                 <a:effectLst/>
                 <a:latin typeface="Consolas" panose="020B0609020204030204" pitchFamily="49" charset="0"/>
                 <a:ea typeface="Times New Roman" panose="02020603050405020304" pitchFamily="18" charset="0"/>
@@ -9527,7 +9523,7 @@
               <a:t>).</a:t>
             </a:r>
             <a:r>
-              <a:rPr lang="en-GB" sz="1800" dirty="0" err="1">
+              <a:rPr lang="en-GB" sz="1600" dirty="0" err="1">
                 <a:effectLst/>
                 <a:latin typeface="Consolas" panose="020B0609020204030204" pitchFamily="49" charset="0"/>
                 <a:ea typeface="Times New Roman" panose="02020603050405020304" pitchFamily="18" charset="0"/>
@@ -9535,7 +9531,7 @@
               </a:rPr>
               <a:t>bit_length</a:t>
             </a:r>
-            <a:endParaRPr lang="en-ZA" sz="1800" dirty="0">
+            <a:endParaRPr lang="en-ZA" sz="1600" dirty="0">
               <a:effectLst/>
               <a:latin typeface="Consolas" panose="020B0609020204030204" pitchFamily="49" charset="0"/>
               <a:ea typeface="Times New Roman" panose="02020603050405020304" pitchFamily="18" charset="0"/>
@@ -9553,7 +9549,7 @@
               </a:tabLst>
             </a:pPr>
             <a:r>
-              <a:rPr lang="en-GB" sz="1800" dirty="0">
+              <a:rPr lang="en-GB" sz="1600" dirty="0">
                 <a:solidFill>
                   <a:srgbClr val="212121"/>
                 </a:solidFill>
@@ -9565,7 +9561,7 @@
               <a:t>	</a:t>
             </a:r>
             <a:r>
-              <a:rPr lang="en-GB" sz="1400" dirty="0" err="1">
+              <a:rPr lang="en-GB" sz="1200" dirty="0" err="1">
                 <a:solidFill>
                   <a:srgbClr val="212121"/>
                 </a:solidFill>
@@ -9577,7 +9573,7 @@
               <a:t>ans</a:t>
             </a:r>
             <a:r>
-              <a:rPr lang="en-GB" sz="1400" dirty="0">
+              <a:rPr lang="en-GB" sz="1200" dirty="0">
                 <a:solidFill>
                   <a:srgbClr val="212121"/>
                 </a:solidFill>
@@ -9588,7 +9584,7 @@
               </a:rPr>
               <a:t> = </a:t>
             </a:r>
-            <a:endParaRPr lang="en-ZA" sz="1400" dirty="0">
+            <a:endParaRPr lang="en-ZA" sz="1200" dirty="0">
               <a:effectLst/>
               <a:latin typeface="Helvetica" panose="020B0604020202020204" pitchFamily="34" charset="0"/>
               <a:ea typeface="Times New Roman" panose="02020603050405020304" pitchFamily="18" charset="0"/>
@@ -9606,7 +9602,7 @@
               </a:tabLst>
             </a:pPr>
             <a:r>
-              <a:rPr lang="en-GB" sz="1400" dirty="0">
+              <a:rPr lang="en-GB" sz="1200" dirty="0">
                 <a:solidFill>
                   <a:srgbClr val="212121"/>
                 </a:solidFill>
@@ -9617,7 +9613,7 @@
               </a:rPr>
               <a:t>  	Python int with properties:</a:t>
             </a:r>
-            <a:endParaRPr lang="en-ZA" sz="1400" dirty="0">
+            <a:endParaRPr lang="en-ZA" sz="1200" dirty="0">
               <a:effectLst/>
               <a:latin typeface="Helvetica" panose="020B0604020202020204" pitchFamily="34" charset="0"/>
               <a:ea typeface="Times New Roman" panose="02020603050405020304" pitchFamily="18" charset="0"/>
@@ -9632,7 +9628,7 @@
               <a:buNone/>
             </a:pPr>
             <a:r>
-              <a:rPr lang="en-GB" sz="1100" dirty="0">
+              <a:rPr lang="en-GB" sz="1050" dirty="0">
                 <a:solidFill>
                   <a:srgbClr val="212121"/>
                 </a:solidFill>
@@ -9644,7 +9640,7 @@
               <a:t>    </a:t>
             </a:r>
             <a:r>
-              <a:rPr lang="en-GB" sz="1400" dirty="0">
+              <a:rPr lang="en-GB" sz="1200" dirty="0">
                 <a:solidFill>
                   <a:srgbClr val="212121"/>
                 </a:solidFill>
@@ -9655,7 +9651,7 @@
               </a:rPr>
               <a:t>denominator: [1×1 py.int]</a:t>
             </a:r>
-            <a:endParaRPr lang="en-ZA" sz="1400" dirty="0">
+            <a:endParaRPr lang="en-ZA" sz="1200" dirty="0">
               <a:effectLst/>
               <a:latin typeface="Helvetica" panose="020B0604020202020204" pitchFamily="34" charset="0"/>
               <a:ea typeface="Times New Roman" panose="02020603050405020304" pitchFamily="18" charset="0"/>
@@ -9670,7 +9666,7 @@
               <a:buNone/>
             </a:pPr>
             <a:r>
-              <a:rPr lang="en-GB" sz="1400" dirty="0">
+              <a:rPr lang="en-GB" sz="1200" dirty="0">
                 <a:solidFill>
                   <a:srgbClr val="212121"/>
                 </a:solidFill>
@@ -9682,7 +9678,7 @@
               <a:t>           </a:t>
             </a:r>
             <a:r>
-              <a:rPr lang="en-GB" sz="1400" dirty="0" err="1">
+              <a:rPr lang="en-GB" sz="1200" dirty="0" err="1">
                 <a:solidFill>
                   <a:srgbClr val="212121"/>
                 </a:solidFill>
@@ -9694,7 +9690,7 @@
               <a:t>imag</a:t>
             </a:r>
             <a:r>
-              <a:rPr lang="en-GB" sz="1400" dirty="0">
+              <a:rPr lang="en-GB" sz="1200" dirty="0">
                 <a:solidFill>
                   <a:srgbClr val="212121"/>
                 </a:solidFill>
@@ -9705,7 +9701,7 @@
               </a:rPr>
               <a:t>: [1×1 py.int]</a:t>
             </a:r>
-            <a:endParaRPr lang="en-ZA" sz="1400" dirty="0">
+            <a:endParaRPr lang="en-ZA" sz="1200" dirty="0">
               <a:effectLst/>
               <a:latin typeface="Helvetica" panose="020B0604020202020204" pitchFamily="34" charset="0"/>
               <a:ea typeface="Times New Roman" panose="02020603050405020304" pitchFamily="18" charset="0"/>
@@ -9720,7 +9716,7 @@
               <a:buNone/>
             </a:pPr>
             <a:r>
-              <a:rPr lang="en-GB" sz="1400" dirty="0">
+              <a:rPr lang="en-GB" sz="1200" dirty="0">
                 <a:solidFill>
                   <a:srgbClr val="212121"/>
                 </a:solidFill>
@@ -9731,7 +9727,7 @@
               </a:rPr>
               <a:t>      numerator: [1×1 py.int]</a:t>
             </a:r>
-            <a:endParaRPr lang="en-ZA" sz="1400" dirty="0">
+            <a:endParaRPr lang="en-ZA" sz="1200" dirty="0">
               <a:effectLst/>
               <a:latin typeface="Helvetica" panose="020B0604020202020204" pitchFamily="34" charset="0"/>
               <a:ea typeface="Times New Roman" panose="02020603050405020304" pitchFamily="18" charset="0"/>
@@ -9746,7 +9742,7 @@
               <a:buNone/>
             </a:pPr>
             <a:r>
-              <a:rPr lang="en-GB" sz="1400" dirty="0">
+              <a:rPr lang="en-GB" sz="1200" dirty="0">
                 <a:solidFill>
                   <a:srgbClr val="212121"/>
                 </a:solidFill>
@@ -9757,7 +9753,7 @@
               </a:rPr>
               <a:t>           real: [1×1 py.int]</a:t>
             </a:r>
-            <a:endParaRPr lang="en-ZA" sz="1400" dirty="0">
+            <a:endParaRPr lang="en-ZA" sz="1200" dirty="0">
               <a:effectLst/>
               <a:latin typeface="Helvetica" panose="020B0604020202020204" pitchFamily="34" charset="0"/>
               <a:ea typeface="Times New Roman" panose="02020603050405020304" pitchFamily="18" charset="0"/>
@@ -9772,7 +9768,7 @@
               <a:buNone/>
             </a:pPr>
             <a:r>
-              <a:rPr lang="en-GB" sz="1400" dirty="0">
+              <a:rPr lang="en-GB" sz="1200" dirty="0">
                 <a:solidFill>
                   <a:srgbClr val="212121"/>
                 </a:solidFill>
@@ -9783,7 +9779,7 @@
               </a:rPr>
               <a:t>    31</a:t>
             </a:r>
-            <a:endParaRPr lang="en-ZA" sz="1400" dirty="0">
+            <a:endParaRPr lang="en-ZA" sz="1200" dirty="0">
               <a:effectLst/>
               <a:latin typeface="Helvetica" panose="020B0604020202020204" pitchFamily="34" charset="0"/>
               <a:ea typeface="Times New Roman" panose="02020603050405020304" pitchFamily="18" charset="0"/>
